--- a/CHING JIAN/C_Class/05_函式一定要會的啦.pptx
+++ b/CHING JIAN/C_Class/05_函式一定要會的啦.pptx
@@ -243,7 +243,7 @@
           <a:p>
             <a:fld id="{3829F076-822F-4A1E-B104-9D9E5204E598}" type="datetimeFigureOut">
               <a:rPr lang="zh-TW" altLang="en-US" smtClean="0"/>
-              <a:t>2020/12/17</a:t>
+              <a:t>2021/1/11</a:t>
             </a:fld>
             <a:endParaRPr lang="zh-TW" altLang="en-US"/>
           </a:p>
@@ -1257,7 +1257,7 @@
             <a:fld id="{B61BEF0D-F0BB-DE4B-95CE-6DB70DBA9567}" type="datetimeFigureOut">
               <a:rPr lang="en-US" dirty="0"/>
               <a:pPr/>
-              <a:t>12/17/2020</a:t>
+              <a:t>1/11/2021</a:t>
             </a:fld>
             <a:endParaRPr lang="en-US" dirty="0"/>
           </a:p>
@@ -1306,6 +1306,155 @@
           </a:p>
         </p:txBody>
       </p:sp>
+      <p:grpSp>
+        <p:nvGrpSpPr>
+          <p:cNvPr id="18" name="群組 17"/>
+          <p:cNvGrpSpPr/>
+          <p:nvPr userDrawn="1"/>
+        </p:nvGrpSpPr>
+        <p:grpSpPr>
+          <a:xfrm>
+            <a:off x="391162" y="5190835"/>
+            <a:ext cx="914625" cy="807425"/>
+            <a:chOff x="1173311" y="676438"/>
+            <a:chExt cx="1463040" cy="1262399"/>
+          </a:xfrm>
+        </p:grpSpPr>
+        <p:sp>
+          <p:nvSpPr>
+            <p:cNvPr id="28" name="六邊形 27"/>
+            <p:cNvSpPr/>
+            <p:nvPr/>
+          </p:nvSpPr>
+          <p:spPr>
+            <a:xfrm>
+              <a:off x="1173311" y="676438"/>
+              <a:ext cx="1463040" cy="1262399"/>
+            </a:xfrm>
+            <a:prstGeom prst="hexagon">
+              <a:avLst/>
+            </a:prstGeom>
+            <a:gradFill flip="none" rotWithShape="1">
+              <a:gsLst>
+                <a:gs pos="0">
+                  <a:schemeClr val="accent2">
+                    <a:lumMod val="60000"/>
+                    <a:lumOff val="40000"/>
+                  </a:schemeClr>
+                </a:gs>
+                <a:gs pos="44000">
+                  <a:schemeClr val="accent2">
+                    <a:lumMod val="89000"/>
+                  </a:schemeClr>
+                </a:gs>
+                <a:gs pos="74000">
+                  <a:schemeClr val="accent2">
+                    <a:lumMod val="75000"/>
+                  </a:schemeClr>
+                </a:gs>
+                <a:gs pos="97000">
+                  <a:schemeClr val="accent2">
+                    <a:lumMod val="70000"/>
+                  </a:schemeClr>
+                </a:gs>
+              </a:gsLst>
+              <a:path path="circle">
+                <a:fillToRect l="50000" t="50000" r="50000" b="50000"/>
+              </a:path>
+              <a:tileRect/>
+            </a:gradFill>
+            <a:ln>
+              <a:noFill/>
+            </a:ln>
+          </p:spPr>
+          <p:style>
+            <a:lnRef idx="2">
+              <a:schemeClr val="accent1">
+                <a:shade val="50000"/>
+              </a:schemeClr>
+            </a:lnRef>
+            <a:fillRef idx="1">
+              <a:schemeClr val="accent1"/>
+            </a:fillRef>
+            <a:effectRef idx="0">
+              <a:schemeClr val="accent1"/>
+            </a:effectRef>
+            <a:fontRef idx="minor">
+              <a:schemeClr val="lt1"/>
+            </a:fontRef>
+          </p:style>
+          <p:txBody>
+            <a:bodyPr rtlCol="0" anchor="ctr"/>
+            <a:lstStyle/>
+            <a:p>
+              <a:pPr algn="ctr"/>
+              <a:endParaRPr lang="zh-TW" altLang="en-US"/>
+            </a:p>
+          </p:txBody>
+        </p:sp>
+        <p:sp>
+          <p:nvSpPr>
+            <p:cNvPr id="29" name="拱形 28"/>
+            <p:cNvSpPr/>
+            <p:nvPr/>
+          </p:nvSpPr>
+          <p:spPr>
+            <a:xfrm>
+              <a:off x="1507067" y="768142"/>
+              <a:ext cx="795528" cy="1078992"/>
+            </a:xfrm>
+            <a:prstGeom prst="blockArc">
+              <a:avLst>
+                <a:gd name="adj1" fmla="val 1897355"/>
+                <a:gd name="adj2" fmla="val 19280511"/>
+                <a:gd name="adj3" fmla="val 24604"/>
+              </a:avLst>
+            </a:prstGeom>
+            <a:solidFill>
+              <a:schemeClr val="accent5">
+                <a:lumMod val="60000"/>
+                <a:lumOff val="40000"/>
+              </a:schemeClr>
+            </a:solidFill>
+            <a:ln>
+              <a:solidFill>
+                <a:schemeClr val="accent5">
+                  <a:lumMod val="60000"/>
+                  <a:lumOff val="40000"/>
+                </a:schemeClr>
+              </a:solidFill>
+            </a:ln>
+          </p:spPr>
+          <p:style>
+            <a:lnRef idx="2">
+              <a:schemeClr val="accent1">
+                <a:shade val="50000"/>
+              </a:schemeClr>
+            </a:lnRef>
+            <a:fillRef idx="1">
+              <a:schemeClr val="accent1"/>
+            </a:fillRef>
+            <a:effectRef idx="0">
+              <a:schemeClr val="accent1"/>
+            </a:effectRef>
+            <a:fontRef idx="minor">
+              <a:schemeClr val="lt1"/>
+            </a:fontRef>
+          </p:style>
+          <p:txBody>
+            <a:bodyPr rtlCol="0" anchor="ctr"/>
+            <a:lstStyle/>
+            <a:p>
+              <a:pPr algn="ctr"/>
+              <a:endParaRPr lang="zh-TW" altLang="en-US">
+                <a:solidFill>
+                  <a:schemeClr val="tx1"/>
+                </a:solidFill>
+              </a:endParaRPr>
+            </a:p>
+          </p:txBody>
+        </p:sp>
+      </p:grpSp>
     </p:spTree>
   </p:cSld>
   <p:clrMapOvr>
@@ -1505,7 +1654,7 @@
             <a:fld id="{B61BEF0D-F0BB-DE4B-95CE-6DB70DBA9567}" type="datetimeFigureOut">
               <a:rPr lang="en-US" dirty="0"/>
               <a:pPr/>
-              <a:t>12/17/2020</a:t>
+              <a:t>1/11/2021</a:t>
             </a:fld>
             <a:endParaRPr lang="en-US" dirty="0"/>
           </a:p>
@@ -1816,7 +1965,7 @@
             <a:fld id="{B61BEF0D-F0BB-DE4B-95CE-6DB70DBA9567}" type="datetimeFigureOut">
               <a:rPr lang="en-US" dirty="0"/>
               <a:pPr/>
-              <a:t>12/17/2020</a:t>
+              <a:t>1/11/2021</a:t>
             </a:fld>
             <a:endParaRPr lang="en-US" dirty="0"/>
           </a:p>
@@ -2146,7 +2295,7 @@
             <a:fld id="{B61BEF0D-F0BB-DE4B-95CE-6DB70DBA9567}" type="datetimeFigureOut">
               <a:rPr lang="en-US" dirty="0"/>
               <a:pPr/>
-              <a:t>12/17/2020</a:t>
+              <a:t>1/11/2021</a:t>
             </a:fld>
             <a:endParaRPr lang="en-US" dirty="0"/>
           </a:p>
@@ -2457,7 +2606,7 @@
             <a:fld id="{B61BEF0D-F0BB-DE4B-95CE-6DB70DBA9567}" type="datetimeFigureOut">
               <a:rPr lang="en-US" dirty="0"/>
               <a:pPr/>
-              <a:t>12/17/2020</a:t>
+              <a:t>1/11/2021</a:t>
             </a:fld>
             <a:endParaRPr lang="en-US" dirty="0"/>
           </a:p>
@@ -2847,7 +2996,7 @@
             <a:fld id="{B61BEF0D-F0BB-DE4B-95CE-6DB70DBA9567}" type="datetimeFigureOut">
               <a:rPr lang="en-US" dirty="0"/>
               <a:pPr/>
-              <a:t>12/17/2020</a:t>
+              <a:t>1/11/2021</a:t>
             </a:fld>
             <a:endParaRPr lang="en-US" dirty="0"/>
           </a:p>
@@ -3013,7 +3162,7 @@
           <a:p>
             <a:fld id="{55C6B4A9-1611-4792-9094-5F34BCA07E0B}" type="datetimeFigureOut">
               <a:rPr lang="en-US" dirty="0"/>
-              <a:t>12/17/2020</a:t>
+              <a:t>1/11/2021</a:t>
             </a:fld>
             <a:endParaRPr lang="en-US" dirty="0"/>
           </a:p>
@@ -3189,7 +3338,7 @@
             <a:fld id="{B61BEF0D-F0BB-DE4B-95CE-6DB70DBA9567}" type="datetimeFigureOut">
               <a:rPr lang="en-US" dirty="0"/>
               <a:pPr/>
-              <a:t>12/17/2020</a:t>
+              <a:t>1/11/2021</a:t>
             </a:fld>
             <a:endParaRPr lang="en-US" dirty="0"/>
           </a:p>
@@ -3355,7 +3504,7 @@
           <a:p>
             <a:fld id="{42A54C80-263E-416B-A8E0-580EDEADCBDC}" type="datetimeFigureOut">
               <a:rPr lang="en-US" dirty="0"/>
-              <a:t>12/17/2020</a:t>
+              <a:t>1/11/2021</a:t>
             </a:fld>
             <a:endParaRPr lang="en-US" dirty="0"/>
           </a:p>
@@ -3400,41 +3549,6 @@
               <a:t>‹#›</a:t>
             </a:fld>
             <a:endParaRPr lang="en-US" dirty="0"/>
-          </a:p>
-        </p:txBody>
-      </p:sp>
-      <p:sp>
-        <p:nvSpPr>
-          <p:cNvPr id="8" name="矩形 7"/>
-          <p:cNvSpPr/>
-          <p:nvPr userDrawn="1"/>
-        </p:nvSpPr>
-        <p:spPr>
-          <a:xfrm>
-            <a:off x="486494" y="6407742"/>
-            <a:ext cx="7189694" cy="584775"/>
-          </a:xfrm>
-          <a:prstGeom prst="rect">
-            <a:avLst/>
-          </a:prstGeom>
-        </p:spPr>
-        <p:txBody>
-          <a:bodyPr wrap="square">
-            <a:spAutoFit/>
-          </a:bodyPr>
-          <a:lstStyle/>
-          <a:p>
-            <a:r>
-              <a:rPr lang="zh-TW" altLang="en-US" sz="1600" dirty="0" smtClean="0"/>
-              <a:t>https://github.com/liulawsi/C_Class_202012/tree/main/Section0</a:t>
-            </a:r>
-            <a:r>
-              <a:rPr lang="en-US" altLang="zh-TW" sz="1600" dirty="0" smtClean="0"/>
-              <a:t>5</a:t>
-            </a:r>
-          </a:p>
-          <a:p>
-            <a:endParaRPr lang="zh-TW" altLang="en-US" sz="1600" dirty="0"/>
           </a:p>
         </p:txBody>
       </p:sp>
@@ -3640,7 +3754,7 @@
             <a:fld id="{B61BEF0D-F0BB-DE4B-95CE-6DB70DBA9567}" type="datetimeFigureOut">
               <a:rPr lang="en-US" dirty="0"/>
               <a:pPr/>
-              <a:t>12/17/2020</a:t>
+              <a:t>1/11/2021</a:t>
             </a:fld>
             <a:endParaRPr lang="en-US" dirty="0"/>
           </a:p>
@@ -3868,7 +3982,7 @@
           <a:p>
             <a:fld id="{42A54C80-263E-416B-A8E0-580EDEADCBDC}" type="datetimeFigureOut">
               <a:rPr lang="en-US" dirty="0"/>
-              <a:t>12/17/2020</a:t>
+              <a:t>1/11/2021</a:t>
             </a:fld>
             <a:endParaRPr lang="en-US" dirty="0"/>
           </a:p>
@@ -4278,7 +4392,7 @@
             <a:fld id="{B61BEF0D-F0BB-DE4B-95CE-6DB70DBA9567}" type="datetimeFigureOut">
               <a:rPr lang="en-US" dirty="0"/>
               <a:pPr/>
-              <a:t>12/17/2020</a:t>
+              <a:t>1/11/2021</a:t>
             </a:fld>
             <a:endParaRPr lang="en-US" dirty="0"/>
           </a:p>
@@ -4437,7 +4551,7 @@
             <a:fld id="{B61BEF0D-F0BB-DE4B-95CE-6DB70DBA9567}" type="datetimeFigureOut">
               <a:rPr lang="en-US" dirty="0"/>
               <a:pPr/>
-              <a:t>12/17/2020</a:t>
+              <a:t>1/11/2021</a:t>
             </a:fld>
             <a:endParaRPr lang="en-US" dirty="0"/>
           </a:p>
@@ -4529,7 +4643,7 @@
             <a:fld id="{B61BEF0D-F0BB-DE4B-95CE-6DB70DBA9567}" type="datetimeFigureOut">
               <a:rPr lang="en-US" dirty="0"/>
               <a:pPr/>
-              <a:t>12/17/2020</a:t>
+              <a:t>1/11/2021</a:t>
             </a:fld>
             <a:endParaRPr lang="en-US" dirty="0"/>
           </a:p>
@@ -4780,7 +4894,7 @@
           <a:p>
             <a:fld id="{42A54C80-263E-416B-A8E0-580EDEADCBDC}" type="datetimeFigureOut">
               <a:rPr lang="en-US" dirty="0"/>
-              <a:t>12/17/2020</a:t>
+              <a:t>1/11/2021</a:t>
             </a:fld>
             <a:endParaRPr lang="en-US" dirty="0"/>
           </a:p>
@@ -5082,7 +5196,7 @@
             <a:fld id="{B61BEF0D-F0BB-DE4B-95CE-6DB70DBA9567}" type="datetimeFigureOut">
               <a:rPr lang="en-US" dirty="0"/>
               <a:pPr/>
-              <a:t>12/17/2020</a:t>
+              <a:t>1/11/2021</a:t>
             </a:fld>
             <a:endParaRPr lang="en-US" dirty="0"/>
           </a:p>
@@ -5780,7 +5894,7 @@
             <a:fld id="{B61BEF0D-F0BB-DE4B-95CE-6DB70DBA9567}" type="datetimeFigureOut">
               <a:rPr lang="en-US" dirty="0"/>
               <a:pPr/>
-              <a:t>12/17/2020</a:t>
+              <a:t>1/11/2021</a:t>
             </a:fld>
             <a:endParaRPr lang="en-US" dirty="0"/>
           </a:p>
@@ -5863,6 +5977,188 @@
           </a:p>
         </p:txBody>
       </p:sp>
+      <p:sp>
+        <p:nvSpPr>
+          <p:cNvPr id="18" name="矩形 17"/>
+          <p:cNvSpPr/>
+          <p:nvPr userDrawn="1"/>
+        </p:nvSpPr>
+        <p:spPr>
+          <a:xfrm>
+            <a:off x="486494" y="6407742"/>
+            <a:ext cx="7189694" cy="338554"/>
+          </a:xfrm>
+          <a:prstGeom prst="rect">
+            <a:avLst/>
+          </a:prstGeom>
+        </p:spPr>
+        <p:txBody>
+          <a:bodyPr wrap="square">
+            <a:spAutoFit/>
+          </a:bodyPr>
+          <a:lstStyle/>
+          <a:p>
+            <a:r>
+              <a:rPr lang="zh-TW" altLang="en-US" sz="1600" dirty="0" smtClean="0"/>
+              <a:t>https://github.com/liulawsi/C_Class_202012/tree/main/Section0</a:t>
+            </a:r>
+            <a:r>
+              <a:rPr lang="en-US" altLang="zh-TW" sz="1600" dirty="0" smtClean="0"/>
+              <a:t>5</a:t>
+            </a:r>
+            <a:endParaRPr lang="zh-TW" altLang="en-US" sz="1600" dirty="0"/>
+          </a:p>
+        </p:txBody>
+      </p:sp>
+      <p:grpSp>
+        <p:nvGrpSpPr>
+          <p:cNvPr id="29" name="群組 28"/>
+          <p:cNvGrpSpPr/>
+          <p:nvPr userDrawn="1"/>
+        </p:nvGrpSpPr>
+        <p:grpSpPr>
+          <a:xfrm>
+            <a:off x="121259" y="81553"/>
+            <a:ext cx="556075" cy="528048"/>
+            <a:chOff x="1173311" y="676438"/>
+            <a:chExt cx="1463040" cy="1262399"/>
+          </a:xfrm>
+        </p:grpSpPr>
+        <p:sp>
+          <p:nvSpPr>
+            <p:cNvPr id="30" name="六邊形 29"/>
+            <p:cNvSpPr/>
+            <p:nvPr/>
+          </p:nvSpPr>
+          <p:spPr>
+            <a:xfrm>
+              <a:off x="1173311" y="676438"/>
+              <a:ext cx="1463040" cy="1262399"/>
+            </a:xfrm>
+            <a:prstGeom prst="hexagon">
+              <a:avLst/>
+            </a:prstGeom>
+            <a:gradFill flip="none" rotWithShape="1">
+              <a:gsLst>
+                <a:gs pos="0">
+                  <a:schemeClr val="accent2">
+                    <a:lumMod val="60000"/>
+                    <a:lumOff val="40000"/>
+                  </a:schemeClr>
+                </a:gs>
+                <a:gs pos="44000">
+                  <a:schemeClr val="accent2">
+                    <a:lumMod val="89000"/>
+                  </a:schemeClr>
+                </a:gs>
+                <a:gs pos="74000">
+                  <a:schemeClr val="accent2">
+                    <a:lumMod val="75000"/>
+                  </a:schemeClr>
+                </a:gs>
+                <a:gs pos="97000">
+                  <a:schemeClr val="accent2">
+                    <a:lumMod val="70000"/>
+                  </a:schemeClr>
+                </a:gs>
+              </a:gsLst>
+              <a:path path="circle">
+                <a:fillToRect l="50000" t="50000" r="50000" b="50000"/>
+              </a:path>
+              <a:tileRect/>
+            </a:gradFill>
+            <a:ln>
+              <a:noFill/>
+            </a:ln>
+          </p:spPr>
+          <p:style>
+            <a:lnRef idx="2">
+              <a:schemeClr val="accent1">
+                <a:shade val="50000"/>
+              </a:schemeClr>
+            </a:lnRef>
+            <a:fillRef idx="1">
+              <a:schemeClr val="accent1"/>
+            </a:fillRef>
+            <a:effectRef idx="0">
+              <a:schemeClr val="accent1"/>
+            </a:effectRef>
+            <a:fontRef idx="minor">
+              <a:schemeClr val="lt1"/>
+            </a:fontRef>
+          </p:style>
+          <p:txBody>
+            <a:bodyPr rtlCol="0" anchor="ctr"/>
+            <a:lstStyle/>
+            <a:p>
+              <a:pPr algn="ctr"/>
+              <a:endParaRPr lang="zh-TW" altLang="en-US"/>
+            </a:p>
+          </p:txBody>
+        </p:sp>
+        <p:sp>
+          <p:nvSpPr>
+            <p:cNvPr id="31" name="拱形 30"/>
+            <p:cNvSpPr/>
+            <p:nvPr/>
+          </p:nvSpPr>
+          <p:spPr>
+            <a:xfrm>
+              <a:off x="1507067" y="768142"/>
+              <a:ext cx="795528" cy="1078992"/>
+            </a:xfrm>
+            <a:prstGeom prst="blockArc">
+              <a:avLst>
+                <a:gd name="adj1" fmla="val 1897355"/>
+                <a:gd name="adj2" fmla="val 19280511"/>
+                <a:gd name="adj3" fmla="val 24604"/>
+              </a:avLst>
+            </a:prstGeom>
+            <a:solidFill>
+              <a:schemeClr val="accent5">
+                <a:lumMod val="60000"/>
+                <a:lumOff val="40000"/>
+              </a:schemeClr>
+            </a:solidFill>
+            <a:ln>
+              <a:solidFill>
+                <a:schemeClr val="accent5">
+                  <a:lumMod val="60000"/>
+                  <a:lumOff val="40000"/>
+                </a:schemeClr>
+              </a:solidFill>
+            </a:ln>
+          </p:spPr>
+          <p:style>
+            <a:lnRef idx="2">
+              <a:schemeClr val="accent1">
+                <a:shade val="50000"/>
+              </a:schemeClr>
+            </a:lnRef>
+            <a:fillRef idx="1">
+              <a:schemeClr val="accent1"/>
+            </a:fillRef>
+            <a:effectRef idx="0">
+              <a:schemeClr val="accent1"/>
+            </a:effectRef>
+            <a:fontRef idx="minor">
+              <a:schemeClr val="lt1"/>
+            </a:fontRef>
+          </p:style>
+          <p:txBody>
+            <a:bodyPr rtlCol="0" anchor="ctr"/>
+            <a:lstStyle/>
+            <a:p>
+              <a:pPr algn="ctr"/>
+              <a:endParaRPr lang="zh-TW" altLang="en-US">
+                <a:solidFill>
+                  <a:schemeClr val="tx1"/>
+                </a:solidFill>
+              </a:endParaRPr>
+            </a:p>
+          </p:txBody>
+        </p:sp>
+      </p:grpSp>
     </p:spTree>
   </p:cSld>
   <p:clrMap bg1="lt1" tx1="dk1" bg2="lt2" tx2="dk2" accent1="accent1" accent2="accent2" accent3="accent3" accent4="accent4" accent5="accent5" accent6="accent6" hlink="hlink" folHlink="folHlink"/>
@@ -6374,7 +6670,7 @@
             <a:fld id="{4805910D-2C61-424F-80CE-807290CF0E1E}" type="datetime4">
               <a:rPr lang="zh-TW" altLang="zh-TW"/>
               <a:pPr/>
-              <a:t>109年12月17日星期四</a:t>
+              <a:t>110年1月11日星期一</a:t>
             </a:fld>
             <a:endParaRPr lang="zh-TW" altLang="en-US" dirty="0"/>
           </a:p>
@@ -25181,8 +25477,8 @@
           </a:p>
         </p:txBody>
       </p:sp>
-      <mc:AlternateContent xmlns:mc="http://schemas.openxmlformats.org/markup-compatibility/2006">
-        <mc:Choice xmlns:a14="http://schemas.microsoft.com/office/drawing/2010/main" Requires="a14">
+      <mc:AlternateContent xmlns:mc="http://schemas.openxmlformats.org/markup-compatibility/2006" xmlns:a14="http://schemas.microsoft.com/office/drawing/2010/main">
+        <mc:Choice Requires="a14">
           <p:sp>
             <p:nvSpPr>
               <p:cNvPr id="3" name="內容版面配置區 2"/>
@@ -25345,7 +25641,7 @@
             </p:txBody>
           </p:sp>
         </mc:Choice>
-        <mc:Fallback>
+        <mc:Fallback xmlns="">
           <p:sp>
             <p:nvSpPr>
               <p:cNvPr id="3" name="內容版面配置區 2"/>
@@ -27635,15 +27931,7 @@
             </a:r>
             <a:r>
               <a:rPr lang="en-US" altLang="zh-TW" dirty="0" smtClean="0"/>
-              <a:t>(</a:t>
-            </a:r>
-            <a:r>
-              <a:rPr lang="en-US" altLang="zh-TW" dirty="0" smtClean="0"/>
-              <a:t>double</a:t>
-            </a:r>
-            <a:r>
-              <a:rPr lang="en-US" altLang="zh-TW" dirty="0" smtClean="0"/>
-              <a:t>)</a:t>
+              <a:t>(double)</a:t>
             </a:r>
             <a:endParaRPr lang="en-US" altLang="zh-TW" dirty="0"/>
           </a:p>
@@ -27809,11 +28097,7 @@
           <a:p>
             <a:r>
               <a:rPr lang="zh-TW" altLang="en-US" dirty="0" smtClean="0"/>
-              <a:t>關鍵</a:t>
-            </a:r>
-            <a:r>
-              <a:rPr lang="zh-TW" altLang="en-US" dirty="0" smtClean="0"/>
-              <a:t>注意，函式中有</a:t>
+              <a:t>關鍵注意，函式中有</a:t>
             </a:r>
             <a:r>
               <a:rPr lang="zh-TW" altLang="en-US" b="1" dirty="0" smtClean="0">
@@ -31148,11 +31432,7 @@
             </a:r>
             <a:r>
               <a:rPr lang="zh-TW" altLang="en-US" dirty="0" smtClean="0"/>
-              <a:t> </a:t>
-            </a:r>
-            <a:r>
-              <a:rPr lang="zh-TW" altLang="en-US" dirty="0" smtClean="0"/>
-              <a:t>空白來表示</a:t>
+              <a:t> 空白來表示</a:t>
             </a:r>
             <a:endParaRPr lang="en-US" altLang="zh-TW" dirty="0" smtClean="0"/>
           </a:p>
@@ -31201,11 +31481,7 @@
             </a:r>
             <a:r>
               <a:rPr lang="en-US" altLang="zh-TW" dirty="0" smtClean="0"/>
-              <a:t>(1,1</a:t>
-            </a:r>
-            <a:r>
-              <a:rPr lang="en-US" altLang="zh-TW" dirty="0" smtClean="0"/>
-              <a:t>)</a:t>
+              <a:t>(1,1)</a:t>
             </a:r>
             <a:r>
               <a:rPr lang="zh-TW" altLang="en-US" dirty="0" smtClean="0"/>
@@ -41275,15 +41551,7 @@
                   <a:srgbClr val="FFC000"/>
                 </a:solidFill>
               </a:rPr>
-              <a:t>的</a:t>
-            </a:r>
-            <a:r>
-              <a:rPr lang="zh-TW" altLang="en-US" sz="1600" dirty="0" smtClean="0">
-                <a:solidFill>
-                  <a:srgbClr val="FFC000"/>
-                </a:solidFill>
-              </a:rPr>
-              <a:t>地方做不同標記</a:t>
+              <a:t>的地方做不同標記</a:t>
             </a:r>
             <a:endParaRPr lang="zh-TW" altLang="en-US" sz="1600" dirty="0">
               <a:solidFill>
